--- a/Presentations/Part 3.pptx
+++ b/Presentations/Part 3.pptx
@@ -5,10 +5,10 @@
     <p:sldMasterId id="2147483648" r:id="rId1"/>
   </p:sldMasterIdLst>
   <p:notesMasterIdLst>
-    <p:notesMasterId r:id="rId10"/>
+    <p:notesMasterId r:id="rId11"/>
   </p:notesMasterIdLst>
   <p:handoutMasterIdLst>
-    <p:handoutMasterId r:id="rId11"/>
+    <p:handoutMasterId r:id="rId12"/>
   </p:handoutMasterIdLst>
   <p:sldIdLst>
     <p:sldId id="279" r:id="rId2"/>
@@ -19,6 +19,7 @@
     <p:sldId id="285" r:id="rId7"/>
     <p:sldId id="290" r:id="rId8"/>
     <p:sldId id="286" r:id="rId9"/>
+    <p:sldId id="289" r:id="rId10"/>
   </p:sldIdLst>
   <p:sldSz cx="12192000" cy="6858000"/>
   <p:notesSz cx="6858000" cy="9144000"/>
@@ -221,7 +222,7 @@
           <a:p>
             <a:fld id="{C12237CC-B169-4E15-9D02-8819C0D67E83}" type="datetimeFigureOut">
               <a:rPr lang="en-US" smtClean="0"/>
-              <a:t>4/2/2019</a:t>
+              <a:t>5/22/2019</a:t>
             </a:fld>
             <a:endParaRPr lang="en-US" dirty="0"/>
           </a:p>
@@ -386,7 +387,7 @@
           <a:p>
             <a:fld id="{914CFCC5-8359-472B-ADB2-EAE685881981}" type="datetimeFigureOut">
               <a:rPr lang="en-US" smtClean="0"/>
-              <a:t>4/2/2019</a:t>
+              <a:t>5/22/2019</a:t>
             </a:fld>
             <a:endParaRPr lang="en-US" dirty="0"/>
           </a:p>
@@ -3516,7 +3517,7 @@
             </a:br>
             <a:r>
               <a:rPr lang="en-US" dirty="0"/>
-              <a:t>Part 2</a:t>
+              <a:t>Part 3</a:t>
             </a:r>
           </a:p>
         </p:txBody>
@@ -4890,6 +4891,188 @@
     <p:extLst>
       <p:ext uri="{BB962C8B-B14F-4D97-AF65-F5344CB8AC3E}">
         <p14:creationId xmlns:p14="http://schemas.microsoft.com/office/powerpoint/2010/main" val="1072061811"/>
+      </p:ext>
+    </p:extLst>
+  </p:cSld>
+  <p:clrMapOvr>
+    <a:masterClrMapping/>
+  </p:clrMapOvr>
+</p:sld>
+</file>
+
+<file path=ppt/slides/slide9.xml><?xml version="1.0" encoding="utf-8"?>
+<p:sld xmlns:a="http://schemas.openxmlformats.org/drawingml/2006/main" xmlns:r="http://schemas.openxmlformats.org/officeDocument/2006/relationships" xmlns:p="http://schemas.openxmlformats.org/presentationml/2006/main">
+  <p:cSld>
+    <p:spTree>
+      <p:nvGrpSpPr>
+        <p:cNvPr id="1" name=""/>
+        <p:cNvGrpSpPr/>
+        <p:nvPr/>
+      </p:nvGrpSpPr>
+      <p:grpSpPr>
+        <a:xfrm>
+          <a:off x="0" y="0"/>
+          <a:ext cx="0" cy="0"/>
+          <a:chOff x="0" y="0"/>
+          <a:chExt cx="0" cy="0"/>
+        </a:xfrm>
+      </p:grpSpPr>
+      <p:sp>
+        <p:nvSpPr>
+          <p:cNvPr id="2" name="Title 1">
+            <a:extLst>
+              <a:ext uri="{FF2B5EF4-FFF2-40B4-BE49-F238E27FC236}">
+                <a16:creationId xmlns:a16="http://schemas.microsoft.com/office/drawing/2014/main" id="{D10BF863-3F56-45F5-BD7A-75283B5FB5AF}"/>
+              </a:ext>
+            </a:extLst>
+          </p:cNvPr>
+          <p:cNvSpPr>
+            <a:spLocks noGrp="1"/>
+          </p:cNvSpPr>
+          <p:nvPr>
+            <p:ph type="title"/>
+          </p:nvPr>
+        </p:nvSpPr>
+        <p:spPr/>
+        <p:txBody>
+          <a:bodyPr/>
+          <a:lstStyle/>
+          <a:p>
+            <a:endParaRPr lang="en-US" dirty="0"/>
+          </a:p>
+        </p:txBody>
+      </p:sp>
+      <p:sp>
+        <p:nvSpPr>
+          <p:cNvPr id="3" name="Content Placeholder 2">
+            <a:extLst>
+              <a:ext uri="{FF2B5EF4-FFF2-40B4-BE49-F238E27FC236}">
+                <a16:creationId xmlns:a16="http://schemas.microsoft.com/office/drawing/2014/main" id="{44379BB5-DDA5-4046-85B1-977BAD867105}"/>
+              </a:ext>
+            </a:extLst>
+          </p:cNvPr>
+          <p:cNvSpPr>
+            <a:spLocks noGrp="1"/>
+          </p:cNvSpPr>
+          <p:nvPr>
+            <p:ph idx="1"/>
+          </p:nvPr>
+        </p:nvSpPr>
+        <p:spPr/>
+        <p:txBody>
+          <a:bodyPr/>
+          <a:lstStyle/>
+          <a:p>
+            <a:pPr marL="0" indent="0" algn="ctr">
+              <a:buNone/>
+            </a:pPr>
+            <a:r>
+              <a:rPr lang="en-US" sz="4800" dirty="0"/>
+              <a:t>Pause for Code Challenge</a:t>
+            </a:r>
+          </a:p>
+          <a:p>
+            <a:pPr marL="0" indent="0" algn="ctr">
+              <a:buNone/>
+            </a:pPr>
+            <a:r>
+              <a:rPr lang="en-US" sz="3200" dirty="0"/>
+              <a:t>Post questions if you have any </a:t>
+            </a:r>
+          </a:p>
+        </p:txBody>
+      </p:sp>
+      <p:sp>
+        <p:nvSpPr>
+          <p:cNvPr id="4" name="Footer Placeholder 3">
+            <a:extLst>
+              <a:ext uri="{FF2B5EF4-FFF2-40B4-BE49-F238E27FC236}">
+                <a16:creationId xmlns:a16="http://schemas.microsoft.com/office/drawing/2014/main" id="{A8312733-2072-420C-B0E9-9DD2C14873E5}"/>
+              </a:ext>
+            </a:extLst>
+          </p:cNvPr>
+          <p:cNvSpPr>
+            <a:spLocks noGrp="1"/>
+          </p:cNvSpPr>
+          <p:nvPr>
+            <p:ph type="ftr" sz="quarter" idx="11"/>
+          </p:nvPr>
+        </p:nvSpPr>
+        <p:spPr/>
+        <p:txBody>
+          <a:bodyPr/>
+          <a:lstStyle/>
+          <a:p>
+            <a:r>
+              <a:rPr lang="en-US"/>
+              <a:t>ASA Biopharmaceutical Section</a:t>
+            </a:r>
+            <a:endParaRPr lang="en-US" dirty="0"/>
+          </a:p>
+        </p:txBody>
+      </p:sp>
+      <p:sp>
+        <p:nvSpPr>
+          <p:cNvPr id="5" name="Slide Number Placeholder 4">
+            <a:extLst>
+              <a:ext uri="{FF2B5EF4-FFF2-40B4-BE49-F238E27FC236}">
+                <a16:creationId xmlns:a16="http://schemas.microsoft.com/office/drawing/2014/main" id="{4B82C55D-C1AD-42AC-826C-DD3315470B45}"/>
+              </a:ext>
+            </a:extLst>
+          </p:cNvPr>
+          <p:cNvSpPr>
+            <a:spLocks noGrp="1"/>
+          </p:cNvSpPr>
+          <p:nvPr>
+            <p:ph type="sldNum" sz="quarter" idx="12"/>
+          </p:nvPr>
+        </p:nvSpPr>
+        <p:spPr/>
+        <p:txBody>
+          <a:bodyPr/>
+          <a:lstStyle/>
+          <a:p>
+            <a:fld id="{BFC1F633-5D42-481B-83F9-D18A18F653A2}" type="slidenum">
+              <a:rPr lang="en-US" smtClean="0"/>
+              <a:t>9</a:t>
+            </a:fld>
+            <a:endParaRPr lang="en-US" dirty="0"/>
+          </a:p>
+        </p:txBody>
+      </p:sp>
+      <p:sp>
+        <p:nvSpPr>
+          <p:cNvPr id="6" name="Date Placeholder 5">
+            <a:extLst>
+              <a:ext uri="{FF2B5EF4-FFF2-40B4-BE49-F238E27FC236}">
+                <a16:creationId xmlns:a16="http://schemas.microsoft.com/office/drawing/2014/main" id="{CC84C0B0-4AD4-41E3-8873-98ECE61D704D}"/>
+              </a:ext>
+            </a:extLst>
+          </p:cNvPr>
+          <p:cNvSpPr>
+            <a:spLocks noGrp="1"/>
+          </p:cNvSpPr>
+          <p:nvPr>
+            <p:ph type="dt" sz="half" idx="10"/>
+          </p:nvPr>
+        </p:nvSpPr>
+        <p:spPr/>
+        <p:txBody>
+          <a:bodyPr/>
+          <a:lstStyle/>
+          <a:p>
+            <a:r>
+              <a:rPr lang="en-US"/>
+              <a:t>Simulating Adaptive Clinical Trials Part 2 - J. Kyle Wathen</a:t>
+            </a:r>
+            <a:endParaRPr lang="en-US" dirty="0"/>
+          </a:p>
+        </p:txBody>
+      </p:sp>
+    </p:spTree>
+    <p:extLst>
+      <p:ext uri="{BB962C8B-B14F-4D97-AF65-F5344CB8AC3E}">
+        <p14:creationId xmlns:p14="http://schemas.microsoft.com/office/powerpoint/2010/main" val="1546902884"/>
       </p:ext>
     </p:extLst>
   </p:cSld>
